--- a/cotizaciones/test.pptx
+++ b/cotizaciones/test.pptx
@@ -6,6 +6,8 @@
   </p:sldMasterIdLst>
   <p:sldIdLst>
     <p:sldId id="256" r:id="rId7"/>
+    <p:sldId id="257" r:id="rId8"/>
+    <p:sldId id="258" r:id="rId9"/>
   </p:sldIdLst>
   <p:sldSz cx="9144000" cy="6858000" type="screen4x3"/>
   <p:notesSz cx="6858000" cy="9144000"/>
@@ -3261,6 +3263,110 @@
               <a:t>Inversiones Lazus</a:t>
             </a:r>
           </a:p>
+        </p:txBody>
+      </p:sp>
+    </p:spTree>
+  </p:cSld>
+  <p:clrMapOvr>
+    <a:masterClrMapping/>
+  </p:clrMapOvr>
+</p:sld>
+</file>
+
+<file path=ppt/slides/slide2.xml><?xml version="1.0" encoding="utf-8"?>
+<p:sld xmlns:a="http://schemas.openxmlformats.org/drawingml/2006/main" xmlns:p="http://schemas.openxmlformats.org/presentationml/2006/main" xmlns:r="http://schemas.openxmlformats.org/officeDocument/2006/relationships">
+  <p:cSld>
+    <p:spTree>
+      <p:nvGrpSpPr>
+        <p:cNvPr id="1" name=""/>
+        <p:cNvGrpSpPr/>
+        <p:nvPr/>
+      </p:nvGrpSpPr>
+      <p:grpSpPr/>
+      <p:sp>
+        <p:nvSpPr>
+          <p:cNvPr id="2" name="Title 1"/>
+          <p:cNvSpPr>
+            <a:spLocks noGrp="1"/>
+          </p:cNvSpPr>
+          <p:nvPr>
+            <p:ph type="ctrTitle"/>
+          </p:nvPr>
+        </p:nvSpPr>
+        <p:spPr/>
+        <p:txBody>
+          <a:bodyPr/>
+          <a:lstStyle/>
+          <a:p/>
+        </p:txBody>
+      </p:sp>
+      <p:sp>
+        <p:nvSpPr>
+          <p:cNvPr id="3" name="Subtitle 2"/>
+          <p:cNvSpPr>
+            <a:spLocks noGrp="1"/>
+          </p:cNvSpPr>
+          <p:nvPr>
+            <p:ph type="subTitle" idx="1"/>
+          </p:nvPr>
+        </p:nvSpPr>
+        <p:spPr/>
+        <p:txBody>
+          <a:bodyPr/>
+          <a:lstStyle/>
+          <a:p/>
+        </p:txBody>
+      </p:sp>
+    </p:spTree>
+  </p:cSld>
+  <p:clrMapOvr>
+    <a:masterClrMapping/>
+  </p:clrMapOvr>
+</p:sld>
+</file>
+
+<file path=ppt/slides/slide3.xml><?xml version="1.0" encoding="utf-8"?>
+<p:sld xmlns:a="http://schemas.openxmlformats.org/drawingml/2006/main" xmlns:p="http://schemas.openxmlformats.org/presentationml/2006/main" xmlns:r="http://schemas.openxmlformats.org/officeDocument/2006/relationships">
+  <p:cSld>
+    <p:spTree>
+      <p:nvGrpSpPr>
+        <p:cNvPr id="1" name=""/>
+        <p:cNvGrpSpPr/>
+        <p:nvPr/>
+      </p:nvGrpSpPr>
+      <p:grpSpPr/>
+      <p:sp>
+        <p:nvSpPr>
+          <p:cNvPr id="2" name="Title 1"/>
+          <p:cNvSpPr>
+            <a:spLocks noGrp="1"/>
+          </p:cNvSpPr>
+          <p:nvPr>
+            <p:ph type="ctrTitle"/>
+          </p:nvPr>
+        </p:nvSpPr>
+        <p:spPr/>
+        <p:txBody>
+          <a:bodyPr/>
+          <a:lstStyle/>
+          <a:p/>
+        </p:txBody>
+      </p:sp>
+      <p:sp>
+        <p:nvSpPr>
+          <p:cNvPr id="3" name="Subtitle 2"/>
+          <p:cNvSpPr>
+            <a:spLocks noGrp="1"/>
+          </p:cNvSpPr>
+          <p:nvPr>
+            <p:ph type="subTitle" idx="1"/>
+          </p:nvPr>
+        </p:nvSpPr>
+        <p:spPr/>
+        <p:txBody>
+          <a:bodyPr/>
+          <a:lstStyle/>
+          <a:p/>
         </p:txBody>
       </p:sp>
     </p:spTree>

--- a/cotizaciones/test.pptx
+++ b/cotizaciones/test.pptx
@@ -6,8 +6,6 @@
   </p:sldMasterIdLst>
   <p:sldIdLst>
     <p:sldId id="256" r:id="rId7"/>
-    <p:sldId id="257" r:id="rId8"/>
-    <p:sldId id="258" r:id="rId9"/>
   </p:sldIdLst>
   <p:sldSz cx="9144000" cy="6858000" type="screen4x3"/>
   <p:notesSz cx="6858000" cy="9144000"/>
@@ -3124,251 +3122,108 @@
           <a:p/>
         </p:txBody>
       </p:sp>
-      <p:pic>
-        <p:nvPicPr>
-          <p:cNvPr id="4" name="Picture 3" descr="logo.jpg"/>
-          <p:cNvPicPr>
-            <a:picLocks noChangeAspect="1"/>
-          </p:cNvPicPr>
+      <p:graphicFrame>
+        <p:nvGraphicFramePr>
+          <p:cNvPr id="4" name="Table 3"/>
+          <p:cNvGraphicFramePr>
+            <a:graphicFrameLocks noGrp="1"/>
+          </p:cNvGraphicFramePr>
           <p:nvPr/>
-        </p:nvPicPr>
-        <p:blipFill>
-          <a:blip r:embed="rId2"/>
-          <a:stretch>
-            <a:fillRect/>
-          </a:stretch>
-        </p:blipFill>
-        <p:spPr>
-          <a:xfrm>
-            <a:off x="360000" y="180000"/>
-            <a:ext cx="3204000" cy="612000"/>
-          </a:xfrm>
-          <a:prstGeom prst="rect">
-            <a:avLst/>
-          </a:prstGeom>
-        </p:spPr>
-      </p:pic>
-      <p:sp>
-        <p:nvSpPr>
-          <p:cNvPr id="5" name="TextBox 4"/>
-          <p:cNvSpPr txBox="1"/>
-          <p:nvPr/>
-        </p:nvSpPr>
-        <p:spPr>
-          <a:xfrm>
-            <a:off x="6480000" y="-180000"/>
-            <a:ext cx="2304000" cy="1368000"/>
-          </a:xfrm>
-          <a:prstGeom prst="rect">
-            <a:avLst/>
-          </a:prstGeom>
-          <a:noFill/>
-        </p:spPr>
-        <p:txBody>
-          <a:bodyPr wrap="none">
-            <a:spAutoFit/>
-          </a:bodyPr>
-          <a:lstStyle/>
-          <a:p/>
-          <a:p>
-            <a:pPr>
-              <a:defRPr sz="1400" b="0"/>
-            </a:pPr>
-            <a:r>
-              <a:t>12 9 de 2021</a:t>
-            </a:r>
-          </a:p>
-          <a:p>
-            <a:pPr>
-              <a:defRPr sz="1400" b="0"/>
-            </a:pPr>
-            <a:r>
-              <a:t>Cot N°3454</a:t>
-            </a:r>
-          </a:p>
-          <a:p>
-            <a:pPr>
-              <a:defRPr sz="1100" b="0"/>
-            </a:pPr>
-          </a:p>
-          <a:p>
-            <a:pPr>
-              <a:defRPr sz="1100" b="1"/>
-            </a:pPr>
-            <a:r>
-              <a:t>Asesor Comercial</a:t>
-            </a:r>
-          </a:p>
-          <a:p>
-            <a:pPr>
-              <a:defRPr sz="1100" b="0"/>
-            </a:pPr>
-            <a:r>
-              <a:t>Carlos Uribe</a:t>
-            </a:r>
-          </a:p>
-          <a:p>
-            <a:pPr>
-              <a:defRPr sz="1100" b="0"/>
-            </a:pPr>
-            <a:r>
-              <a:t>316 324 05 27 / (4) 322 3662 ext.106</a:t>
-            </a:r>
-          </a:p>
-          <a:p>
-            <a:pPr>
-              <a:defRPr sz="1100" b="0"/>
-            </a:pPr>
-            <a:r>
-              <a:t>curibe@magicmedios.com</a:t>
-            </a:r>
-          </a:p>
-        </p:txBody>
-      </p:sp>
-      <p:sp>
-        <p:nvSpPr>
-          <p:cNvPr id="6" name="TextBox 5"/>
-          <p:cNvSpPr txBox="1"/>
-          <p:nvPr/>
-        </p:nvSpPr>
-        <p:spPr>
-          <a:xfrm>
-            <a:off x="360000" y="540000"/>
-            <a:ext cx="2304000" cy="1800000"/>
-          </a:xfrm>
-          <a:prstGeom prst="rect">
-            <a:avLst/>
-          </a:prstGeom>
-          <a:noFill/>
-        </p:spPr>
-        <p:txBody>
-          <a:bodyPr wrap="none">
-            <a:spAutoFit/>
-          </a:bodyPr>
-          <a:lstStyle/>
-          <a:p/>
-          <a:p>
-            <a:pPr>
-              <a:defRPr sz="1400" b="1"/>
-            </a:pPr>
-            <a:r>
-              <a:t>Señor(a) Lina Velez.</a:t>
-            </a:r>
-          </a:p>
-          <a:p>
-            <a:pPr>
-              <a:defRPr sz="1400" b="1"/>
-            </a:pPr>
-            <a:r>
-              <a:t>Inversiones Lazus</a:t>
-            </a:r>
-          </a:p>
-        </p:txBody>
-      </p:sp>
-    </p:spTree>
-  </p:cSld>
-  <p:clrMapOvr>
-    <a:masterClrMapping/>
-  </p:clrMapOvr>
-</p:sld>
-</file>
-
-<file path=ppt/slides/slide2.xml><?xml version="1.0" encoding="utf-8"?>
-<p:sld xmlns:a="http://schemas.openxmlformats.org/drawingml/2006/main" xmlns:p="http://schemas.openxmlformats.org/presentationml/2006/main" xmlns:r="http://schemas.openxmlformats.org/officeDocument/2006/relationships">
-  <p:cSld>
-    <p:spTree>
-      <p:nvGrpSpPr>
-        <p:cNvPr id="1" name=""/>
-        <p:cNvGrpSpPr/>
-        <p:nvPr/>
-      </p:nvGrpSpPr>
-      <p:grpSpPr/>
-      <p:sp>
-        <p:nvSpPr>
-          <p:cNvPr id="2" name="Title 1"/>
-          <p:cNvSpPr>
-            <a:spLocks noGrp="1"/>
-          </p:cNvSpPr>
-          <p:nvPr>
-            <p:ph type="ctrTitle"/>
-          </p:nvPr>
-        </p:nvSpPr>
-        <p:spPr/>
-        <p:txBody>
-          <a:bodyPr/>
-          <a:lstStyle/>
-          <a:p/>
-        </p:txBody>
-      </p:sp>
-      <p:sp>
-        <p:nvSpPr>
-          <p:cNvPr id="3" name="Subtitle 2"/>
-          <p:cNvSpPr>
-            <a:spLocks noGrp="1"/>
-          </p:cNvSpPr>
-          <p:nvPr>
-            <p:ph type="subTitle" idx="1"/>
-          </p:nvPr>
-        </p:nvSpPr>
-        <p:spPr/>
-        <p:txBody>
-          <a:bodyPr/>
-          <a:lstStyle/>
-          <a:p/>
-        </p:txBody>
-      </p:sp>
-    </p:spTree>
-  </p:cSld>
-  <p:clrMapOvr>
-    <a:masterClrMapping/>
-  </p:clrMapOvr>
-</p:sld>
-</file>
-
-<file path=ppt/slides/slide3.xml><?xml version="1.0" encoding="utf-8"?>
-<p:sld xmlns:a="http://schemas.openxmlformats.org/drawingml/2006/main" xmlns:p="http://schemas.openxmlformats.org/presentationml/2006/main" xmlns:r="http://schemas.openxmlformats.org/officeDocument/2006/relationships">
-  <p:cSld>
-    <p:spTree>
-      <p:nvGrpSpPr>
-        <p:cNvPr id="1" name=""/>
-        <p:cNvGrpSpPr/>
-        <p:nvPr/>
-      </p:nvGrpSpPr>
-      <p:grpSpPr/>
-      <p:sp>
-        <p:nvSpPr>
-          <p:cNvPr id="2" name="Title 1"/>
-          <p:cNvSpPr>
-            <a:spLocks noGrp="1"/>
-          </p:cNvSpPr>
-          <p:nvPr>
-            <p:ph type="ctrTitle"/>
-          </p:nvPr>
-        </p:nvSpPr>
-        <p:spPr/>
-        <p:txBody>
-          <a:bodyPr/>
-          <a:lstStyle/>
-          <a:p/>
-        </p:txBody>
-      </p:sp>
-      <p:sp>
-        <p:nvSpPr>
-          <p:cNvPr id="3" name="Subtitle 2"/>
-          <p:cNvSpPr>
-            <a:spLocks noGrp="1"/>
-          </p:cNvSpPr>
-          <p:nvPr>
-            <p:ph type="subTitle" idx="1"/>
-          </p:nvPr>
-        </p:nvSpPr>
-        <p:spPr/>
-        <p:txBody>
-          <a:bodyPr/>
-          <a:lstStyle/>
-          <a:p/>
-        </p:txBody>
-      </p:sp>
+        </p:nvGraphicFramePr>
+        <p:xfrm>
+          <a:off x="360000" y="1800000"/>
+          <a:ext cx="2520000" cy="2880000"/>
+        </p:xfrm>
+        <a:graphic>
+          <a:graphicData uri="http://schemas.openxmlformats.org/drawingml/2006/table">
+            <a:tbl>
+              <a:tblPr>
+                <a:tableStyleId>{5C22544A-7EE6-4342-B048-85BDC9FD1C3A}</a:tableStyleId>
+              </a:tblPr>
+              <a:tblGrid>
+                <a:gridCol w="1260000"/>
+                <a:gridCol w="1260000"/>
+              </a:tblGrid>
+              <a:tr h="720000">
+                <a:tc>
+                  <a:txBody>
+                    <a:bodyPr/>
+                    <a:lstStyle/>
+                    <a:p/>
+                  </a:txBody>
+                  <a:tcPr/>
+                </a:tc>
+                <a:tc>
+                  <a:txBody>
+                    <a:bodyPr/>
+                    <a:lstStyle/>
+                    <a:p/>
+                  </a:txBody>
+                  <a:tcPr>
+                    <a:solidFill>
+                      <a:srgbClr val="FFFFFF"/>
+                    </a:solidFill>
+                  </a:tcPr>
+                </a:tc>
+              </a:tr>
+              <a:tr h="720000">
+                <a:tc>
+                  <a:txBody>
+                    <a:bodyPr/>
+                    <a:lstStyle/>
+                    <a:p/>
+                  </a:txBody>
+                  <a:tcPr/>
+                </a:tc>
+                <a:tc>
+                  <a:txBody>
+                    <a:bodyPr/>
+                    <a:lstStyle/>
+                    <a:p/>
+                  </a:txBody>
+                  <a:tcPr/>
+                </a:tc>
+              </a:tr>
+              <a:tr h="720000">
+                <a:tc>
+                  <a:txBody>
+                    <a:bodyPr/>
+                    <a:lstStyle/>
+                    <a:p/>
+                  </a:txBody>
+                  <a:tcPr/>
+                </a:tc>
+                <a:tc>
+                  <a:txBody>
+                    <a:bodyPr/>
+                    <a:lstStyle/>
+                    <a:p/>
+                  </a:txBody>
+                  <a:tcPr/>
+                </a:tc>
+              </a:tr>
+              <a:tr h="720000">
+                <a:tc>
+                  <a:txBody>
+                    <a:bodyPr/>
+                    <a:lstStyle/>
+                    <a:p/>
+                  </a:txBody>
+                  <a:tcPr/>
+                </a:tc>
+                <a:tc>
+                  <a:txBody>
+                    <a:bodyPr/>
+                    <a:lstStyle/>
+                    <a:p/>
+                  </a:txBody>
+                  <a:tcPr/>
+                </a:tc>
+              </a:tr>
+            </a:tbl>
+          </a:graphicData>
+        </a:graphic>
+      </p:graphicFrame>
     </p:spTree>
   </p:cSld>
   <p:clrMapOvr>
